--- a/PRESENTACION ARDUINORACHVEL.X.pptx
+++ b/PRESENTACION ARDUINORACHVEL.X.pptx
@@ -12,8 +12,6 @@
     <p:sldId id="259" r:id="rId6"/>
     <p:sldId id="260" r:id="rId7"/>
     <p:sldId id="261" r:id="rId8"/>
-    <p:sldId id="262" r:id="rId9"/>
-    <p:sldId id="264" r:id="rId10"/>
   </p:sldIdLst>
   <p:sldSz cx="12192000" cy="6858000"/>
   <p:notesSz cx="6858000" cy="9144000"/>
@@ -162,7 +160,7 @@
           </a:lstStyle>
           <a:p>
             <a:r>
-              <a:rPr lang="es-ES" smtClean="0"/>
+              <a:rPr lang="es-ES"/>
               <a:t>Haga clic para modificar el estilo de título del patrón</a:t>
             </a:r>
             <a:endParaRPr lang="en-US"/>
@@ -227,7 +225,7 @@
           </a:lstStyle>
           <a:p>
             <a:r>
-              <a:rPr lang="es-ES" smtClean="0"/>
+              <a:rPr lang="es-ES"/>
               <a:t>Haga clic para editar el estilo de subtítulo del patrón</a:t>
             </a:r>
             <a:endParaRPr lang="en-US"/>
@@ -251,7 +249,7 @@
           <a:p>
             <a:fld id="{5D75366A-FCE8-4C8F-9CEA-49F9F99D3CA1}" type="datetimeFigureOut">
               <a:rPr lang="en-US" smtClean="0"/>
-              <a:t>7/25/2019</a:t>
+              <a:t>11/4/2019</a:t>
             </a:fld>
             <a:endParaRPr lang="en-US"/>
           </a:p>
@@ -345,7 +343,7 @@
           <a:lstStyle/>
           <a:p>
             <a:r>
-              <a:rPr lang="es-ES" smtClean="0"/>
+              <a:rPr lang="es-ES"/>
               <a:t>Haga clic para modificar el estilo de título del patrón</a:t>
             </a:r>
             <a:endParaRPr lang="en-US"/>
@@ -369,35 +367,35 @@
           <a:p>
             <a:pPr lvl="0"/>
             <a:r>
-              <a:rPr lang="es-ES" smtClean="0"/>
+              <a:rPr lang="es-ES"/>
               <a:t>Editar el estilo de texto del patrón</a:t>
             </a:r>
           </a:p>
           <a:p>
             <a:pPr lvl="1"/>
             <a:r>
-              <a:rPr lang="es-ES" smtClean="0"/>
+              <a:rPr lang="es-ES"/>
               <a:t>Segundo nivel</a:t>
             </a:r>
           </a:p>
           <a:p>
             <a:pPr lvl="2"/>
             <a:r>
-              <a:rPr lang="es-ES" smtClean="0"/>
+              <a:rPr lang="es-ES"/>
               <a:t>Tercer nivel</a:t>
             </a:r>
           </a:p>
           <a:p>
             <a:pPr lvl="3"/>
             <a:r>
-              <a:rPr lang="es-ES" smtClean="0"/>
+              <a:rPr lang="es-ES"/>
               <a:t>Cuarto nivel</a:t>
             </a:r>
           </a:p>
           <a:p>
             <a:pPr lvl="4"/>
             <a:r>
-              <a:rPr lang="es-ES" smtClean="0"/>
+              <a:rPr lang="es-ES"/>
               <a:t>Quinto nivel</a:t>
             </a:r>
             <a:endParaRPr lang="en-US"/>
@@ -421,7 +419,7 @@
           <a:p>
             <a:fld id="{5D75366A-FCE8-4C8F-9CEA-49F9F99D3CA1}" type="datetimeFigureOut">
               <a:rPr lang="en-US" smtClean="0"/>
-              <a:t>7/25/2019</a:t>
+              <a:t>11/4/2019</a:t>
             </a:fld>
             <a:endParaRPr lang="en-US"/>
           </a:p>
@@ -520,7 +518,7 @@
           <a:lstStyle/>
           <a:p>
             <a:r>
-              <a:rPr lang="es-ES" smtClean="0"/>
+              <a:rPr lang="es-ES"/>
               <a:t>Haga clic para modificar el estilo de título del patrón</a:t>
             </a:r>
             <a:endParaRPr lang="en-US"/>
@@ -549,35 +547,35 @@
           <a:p>
             <a:pPr lvl="0"/>
             <a:r>
-              <a:rPr lang="es-ES" smtClean="0"/>
+              <a:rPr lang="es-ES"/>
               <a:t>Editar el estilo de texto del patrón</a:t>
             </a:r>
           </a:p>
           <a:p>
             <a:pPr lvl="1"/>
             <a:r>
-              <a:rPr lang="es-ES" smtClean="0"/>
+              <a:rPr lang="es-ES"/>
               <a:t>Segundo nivel</a:t>
             </a:r>
           </a:p>
           <a:p>
             <a:pPr lvl="2"/>
             <a:r>
-              <a:rPr lang="es-ES" smtClean="0"/>
+              <a:rPr lang="es-ES"/>
               <a:t>Tercer nivel</a:t>
             </a:r>
           </a:p>
           <a:p>
             <a:pPr lvl="3"/>
             <a:r>
-              <a:rPr lang="es-ES" smtClean="0"/>
+              <a:rPr lang="es-ES"/>
               <a:t>Cuarto nivel</a:t>
             </a:r>
           </a:p>
           <a:p>
             <a:pPr lvl="4"/>
             <a:r>
-              <a:rPr lang="es-ES" smtClean="0"/>
+              <a:rPr lang="es-ES"/>
               <a:t>Quinto nivel</a:t>
             </a:r>
             <a:endParaRPr lang="en-US"/>
@@ -601,7 +599,7 @@
           <a:p>
             <a:fld id="{5D75366A-FCE8-4C8F-9CEA-49F9F99D3CA1}" type="datetimeFigureOut">
               <a:rPr lang="en-US" smtClean="0"/>
-              <a:t>7/25/2019</a:t>
+              <a:t>11/4/2019</a:t>
             </a:fld>
             <a:endParaRPr lang="en-US"/>
           </a:p>
@@ -695,7 +693,7 @@
           <a:lstStyle/>
           <a:p>
             <a:r>
-              <a:rPr lang="es-ES" smtClean="0"/>
+              <a:rPr lang="es-ES"/>
               <a:t>Haga clic para modificar el estilo de título del patrón</a:t>
             </a:r>
             <a:endParaRPr lang="en-US"/>
@@ -719,35 +717,35 @@
           <a:p>
             <a:pPr lvl="0"/>
             <a:r>
-              <a:rPr lang="es-ES" smtClean="0"/>
+              <a:rPr lang="es-ES"/>
               <a:t>Editar el estilo de texto del patrón</a:t>
             </a:r>
           </a:p>
           <a:p>
             <a:pPr lvl="1"/>
             <a:r>
-              <a:rPr lang="es-ES" smtClean="0"/>
+              <a:rPr lang="es-ES"/>
               <a:t>Segundo nivel</a:t>
             </a:r>
           </a:p>
           <a:p>
             <a:pPr lvl="2"/>
             <a:r>
-              <a:rPr lang="es-ES" smtClean="0"/>
+              <a:rPr lang="es-ES"/>
               <a:t>Tercer nivel</a:t>
             </a:r>
           </a:p>
           <a:p>
             <a:pPr lvl="3"/>
             <a:r>
-              <a:rPr lang="es-ES" smtClean="0"/>
+              <a:rPr lang="es-ES"/>
               <a:t>Cuarto nivel</a:t>
             </a:r>
           </a:p>
           <a:p>
             <a:pPr lvl="4"/>
             <a:r>
-              <a:rPr lang="es-ES" smtClean="0"/>
+              <a:rPr lang="es-ES"/>
               <a:t>Quinto nivel</a:t>
             </a:r>
             <a:endParaRPr lang="en-US"/>
@@ -771,7 +769,7 @@
           <a:p>
             <a:fld id="{5D75366A-FCE8-4C8F-9CEA-49F9F99D3CA1}" type="datetimeFigureOut">
               <a:rPr lang="en-US" smtClean="0"/>
-              <a:t>7/25/2019</a:t>
+              <a:t>11/4/2019</a:t>
             </a:fld>
             <a:endParaRPr lang="en-US"/>
           </a:p>
@@ -874,7 +872,7 @@
           </a:lstStyle>
           <a:p>
             <a:r>
-              <a:rPr lang="es-ES" smtClean="0"/>
+              <a:rPr lang="es-ES"/>
               <a:t>Haga clic para modificar el estilo de título del patrón</a:t>
             </a:r>
             <a:endParaRPr lang="en-US"/>
@@ -994,7 +992,7 @@
           <a:p>
             <a:pPr lvl="0"/>
             <a:r>
-              <a:rPr lang="es-ES" smtClean="0"/>
+              <a:rPr lang="es-ES"/>
               <a:t>Editar el estilo de texto del patrón</a:t>
             </a:r>
           </a:p>
@@ -1017,7 +1015,7 @@
           <a:p>
             <a:fld id="{5D75366A-FCE8-4C8F-9CEA-49F9F99D3CA1}" type="datetimeFigureOut">
               <a:rPr lang="en-US" smtClean="0"/>
-              <a:t>7/25/2019</a:t>
+              <a:t>11/4/2019</a:t>
             </a:fld>
             <a:endParaRPr lang="en-US"/>
           </a:p>
@@ -1111,7 +1109,7 @@
           <a:lstStyle/>
           <a:p>
             <a:r>
-              <a:rPr lang="es-ES" smtClean="0"/>
+              <a:rPr lang="es-ES"/>
               <a:t>Haga clic para modificar el estilo de título del patrón</a:t>
             </a:r>
             <a:endParaRPr lang="en-US"/>
@@ -1140,35 +1138,35 @@
           <a:p>
             <a:pPr lvl="0"/>
             <a:r>
-              <a:rPr lang="es-ES" smtClean="0"/>
+              <a:rPr lang="es-ES"/>
               <a:t>Editar el estilo de texto del patrón</a:t>
             </a:r>
           </a:p>
           <a:p>
             <a:pPr lvl="1"/>
             <a:r>
-              <a:rPr lang="es-ES" smtClean="0"/>
+              <a:rPr lang="es-ES"/>
               <a:t>Segundo nivel</a:t>
             </a:r>
           </a:p>
           <a:p>
             <a:pPr lvl="2"/>
             <a:r>
-              <a:rPr lang="es-ES" smtClean="0"/>
+              <a:rPr lang="es-ES"/>
               <a:t>Tercer nivel</a:t>
             </a:r>
           </a:p>
           <a:p>
             <a:pPr lvl="3"/>
             <a:r>
-              <a:rPr lang="es-ES" smtClean="0"/>
+              <a:rPr lang="es-ES"/>
               <a:t>Cuarto nivel</a:t>
             </a:r>
           </a:p>
           <a:p>
             <a:pPr lvl="4"/>
             <a:r>
-              <a:rPr lang="es-ES" smtClean="0"/>
+              <a:rPr lang="es-ES"/>
               <a:t>Quinto nivel</a:t>
             </a:r>
             <a:endParaRPr lang="en-US"/>
@@ -1197,35 +1195,35 @@
           <a:p>
             <a:pPr lvl="0"/>
             <a:r>
-              <a:rPr lang="es-ES" smtClean="0"/>
+              <a:rPr lang="es-ES"/>
               <a:t>Editar el estilo de texto del patrón</a:t>
             </a:r>
           </a:p>
           <a:p>
             <a:pPr lvl="1"/>
             <a:r>
-              <a:rPr lang="es-ES" smtClean="0"/>
+              <a:rPr lang="es-ES"/>
               <a:t>Segundo nivel</a:t>
             </a:r>
           </a:p>
           <a:p>
             <a:pPr lvl="2"/>
             <a:r>
-              <a:rPr lang="es-ES" smtClean="0"/>
+              <a:rPr lang="es-ES"/>
               <a:t>Tercer nivel</a:t>
             </a:r>
           </a:p>
           <a:p>
             <a:pPr lvl="3"/>
             <a:r>
-              <a:rPr lang="es-ES" smtClean="0"/>
+              <a:rPr lang="es-ES"/>
               <a:t>Cuarto nivel</a:t>
             </a:r>
           </a:p>
           <a:p>
             <a:pPr lvl="4"/>
             <a:r>
-              <a:rPr lang="es-ES" smtClean="0"/>
+              <a:rPr lang="es-ES"/>
               <a:t>Quinto nivel</a:t>
             </a:r>
             <a:endParaRPr lang="en-US"/>
@@ -1249,7 +1247,7 @@
           <a:p>
             <a:fld id="{5D75366A-FCE8-4C8F-9CEA-49F9F99D3CA1}" type="datetimeFigureOut">
               <a:rPr lang="en-US" smtClean="0"/>
-              <a:t>7/25/2019</a:t>
+              <a:t>11/4/2019</a:t>
             </a:fld>
             <a:endParaRPr lang="en-US"/>
           </a:p>
@@ -1348,7 +1346,7 @@
           <a:lstStyle/>
           <a:p>
             <a:r>
-              <a:rPr lang="es-ES" smtClean="0"/>
+              <a:rPr lang="es-ES"/>
               <a:t>Haga clic para modificar el estilo de título del patrón</a:t>
             </a:r>
             <a:endParaRPr lang="en-US"/>
@@ -1414,7 +1412,7 @@
           <a:p>
             <a:pPr lvl="0"/>
             <a:r>
-              <a:rPr lang="es-ES" smtClean="0"/>
+              <a:rPr lang="es-ES"/>
               <a:t>Editar el estilo de texto del patrón</a:t>
             </a:r>
           </a:p>
@@ -1442,35 +1440,35 @@
           <a:p>
             <a:pPr lvl="0"/>
             <a:r>
-              <a:rPr lang="es-ES" smtClean="0"/>
+              <a:rPr lang="es-ES"/>
               <a:t>Editar el estilo de texto del patrón</a:t>
             </a:r>
           </a:p>
           <a:p>
             <a:pPr lvl="1"/>
             <a:r>
-              <a:rPr lang="es-ES" smtClean="0"/>
+              <a:rPr lang="es-ES"/>
               <a:t>Segundo nivel</a:t>
             </a:r>
           </a:p>
           <a:p>
             <a:pPr lvl="2"/>
             <a:r>
-              <a:rPr lang="es-ES" smtClean="0"/>
+              <a:rPr lang="es-ES"/>
               <a:t>Tercer nivel</a:t>
             </a:r>
           </a:p>
           <a:p>
             <a:pPr lvl="3"/>
             <a:r>
-              <a:rPr lang="es-ES" smtClean="0"/>
+              <a:rPr lang="es-ES"/>
               <a:t>Cuarto nivel</a:t>
             </a:r>
           </a:p>
           <a:p>
             <a:pPr lvl="4"/>
             <a:r>
-              <a:rPr lang="es-ES" smtClean="0"/>
+              <a:rPr lang="es-ES"/>
               <a:t>Quinto nivel</a:t>
             </a:r>
             <a:endParaRPr lang="en-US"/>
@@ -1536,7 +1534,7 @@
           <a:p>
             <a:pPr lvl="0"/>
             <a:r>
-              <a:rPr lang="es-ES" smtClean="0"/>
+              <a:rPr lang="es-ES"/>
               <a:t>Editar el estilo de texto del patrón</a:t>
             </a:r>
           </a:p>
@@ -1564,35 +1562,35 @@
           <a:p>
             <a:pPr lvl="0"/>
             <a:r>
-              <a:rPr lang="es-ES" smtClean="0"/>
+              <a:rPr lang="es-ES"/>
               <a:t>Editar el estilo de texto del patrón</a:t>
             </a:r>
           </a:p>
           <a:p>
             <a:pPr lvl="1"/>
             <a:r>
-              <a:rPr lang="es-ES" smtClean="0"/>
+              <a:rPr lang="es-ES"/>
               <a:t>Segundo nivel</a:t>
             </a:r>
           </a:p>
           <a:p>
             <a:pPr lvl="2"/>
             <a:r>
-              <a:rPr lang="es-ES" smtClean="0"/>
+              <a:rPr lang="es-ES"/>
               <a:t>Tercer nivel</a:t>
             </a:r>
           </a:p>
           <a:p>
             <a:pPr lvl="3"/>
             <a:r>
-              <a:rPr lang="es-ES" smtClean="0"/>
+              <a:rPr lang="es-ES"/>
               <a:t>Cuarto nivel</a:t>
             </a:r>
           </a:p>
           <a:p>
             <a:pPr lvl="4"/>
             <a:r>
-              <a:rPr lang="es-ES" smtClean="0"/>
+              <a:rPr lang="es-ES"/>
               <a:t>Quinto nivel</a:t>
             </a:r>
             <a:endParaRPr lang="en-US"/>
@@ -1616,7 +1614,7 @@
           <a:p>
             <a:fld id="{5D75366A-FCE8-4C8F-9CEA-49F9F99D3CA1}" type="datetimeFigureOut">
               <a:rPr lang="en-US" smtClean="0"/>
-              <a:t>7/25/2019</a:t>
+              <a:t>11/4/2019</a:t>
             </a:fld>
             <a:endParaRPr lang="en-US"/>
           </a:p>
@@ -1710,7 +1708,7 @@
           <a:lstStyle/>
           <a:p>
             <a:r>
-              <a:rPr lang="es-ES" smtClean="0"/>
+              <a:rPr lang="es-ES"/>
               <a:t>Haga clic para modificar el estilo de título del patrón</a:t>
             </a:r>
             <a:endParaRPr lang="en-US"/>
@@ -1734,7 +1732,7 @@
           <a:p>
             <a:fld id="{5D75366A-FCE8-4C8F-9CEA-49F9F99D3CA1}" type="datetimeFigureOut">
               <a:rPr lang="en-US" smtClean="0"/>
-              <a:t>7/25/2019</a:t>
+              <a:t>11/4/2019</a:t>
             </a:fld>
             <a:endParaRPr lang="en-US"/>
           </a:p>
@@ -1829,7 +1827,7 @@
           <a:p>
             <a:fld id="{5D75366A-FCE8-4C8F-9CEA-49F9F99D3CA1}" type="datetimeFigureOut">
               <a:rPr lang="en-US" smtClean="0"/>
-              <a:t>7/25/2019</a:t>
+              <a:t>11/4/2019</a:t>
             </a:fld>
             <a:endParaRPr lang="en-US"/>
           </a:p>
@@ -1932,7 +1930,7 @@
           </a:lstStyle>
           <a:p>
             <a:r>
-              <a:rPr lang="es-ES" smtClean="0"/>
+              <a:rPr lang="es-ES"/>
               <a:t>Haga clic para modificar el estilo de título del patrón</a:t>
             </a:r>
             <a:endParaRPr lang="en-US"/>
@@ -1989,35 +1987,35 @@
           <a:p>
             <a:pPr lvl="0"/>
             <a:r>
-              <a:rPr lang="es-ES" smtClean="0"/>
+              <a:rPr lang="es-ES"/>
               <a:t>Editar el estilo de texto del patrón</a:t>
             </a:r>
           </a:p>
           <a:p>
             <a:pPr lvl="1"/>
             <a:r>
-              <a:rPr lang="es-ES" smtClean="0"/>
+              <a:rPr lang="es-ES"/>
               <a:t>Segundo nivel</a:t>
             </a:r>
           </a:p>
           <a:p>
             <a:pPr lvl="2"/>
             <a:r>
-              <a:rPr lang="es-ES" smtClean="0"/>
+              <a:rPr lang="es-ES"/>
               <a:t>Tercer nivel</a:t>
             </a:r>
           </a:p>
           <a:p>
             <a:pPr lvl="3"/>
             <a:r>
-              <a:rPr lang="es-ES" smtClean="0"/>
+              <a:rPr lang="es-ES"/>
               <a:t>Cuarto nivel</a:t>
             </a:r>
           </a:p>
           <a:p>
             <a:pPr lvl="4"/>
             <a:r>
-              <a:rPr lang="es-ES" smtClean="0"/>
+              <a:rPr lang="es-ES"/>
               <a:t>Quinto nivel</a:t>
             </a:r>
             <a:endParaRPr lang="en-US"/>
@@ -2083,7 +2081,7 @@
           <a:p>
             <a:pPr lvl="0"/>
             <a:r>
-              <a:rPr lang="es-ES" smtClean="0"/>
+              <a:rPr lang="es-ES"/>
               <a:t>Editar el estilo de texto del patrón</a:t>
             </a:r>
           </a:p>
@@ -2106,7 +2104,7 @@
           <a:p>
             <a:fld id="{5D75366A-FCE8-4C8F-9CEA-49F9F99D3CA1}" type="datetimeFigureOut">
               <a:rPr lang="en-US" smtClean="0"/>
-              <a:t>7/25/2019</a:t>
+              <a:t>11/4/2019</a:t>
             </a:fld>
             <a:endParaRPr lang="en-US"/>
           </a:p>
@@ -2209,7 +2207,7 @@
           </a:lstStyle>
           <a:p>
             <a:r>
-              <a:rPr lang="es-ES" smtClean="0"/>
+              <a:rPr lang="es-ES"/>
               <a:t>Haga clic para modificar el estilo de título del patrón</a:t>
             </a:r>
             <a:endParaRPr lang="en-US"/>
@@ -2336,7 +2334,7 @@
           <a:p>
             <a:pPr lvl="0"/>
             <a:r>
-              <a:rPr lang="es-ES" smtClean="0"/>
+              <a:rPr lang="es-ES"/>
               <a:t>Editar el estilo de texto del patrón</a:t>
             </a:r>
           </a:p>
@@ -2359,7 +2357,7 @@
           <a:p>
             <a:fld id="{5D75366A-FCE8-4C8F-9CEA-49F9F99D3CA1}" type="datetimeFigureOut">
               <a:rPr lang="en-US" smtClean="0"/>
-              <a:t>7/25/2019</a:t>
+              <a:t>11/4/2019</a:t>
             </a:fld>
             <a:endParaRPr lang="en-US"/>
           </a:p>
@@ -2468,7 +2466,7 @@
           <a:lstStyle/>
           <a:p>
             <a:r>
-              <a:rPr lang="es-ES" smtClean="0"/>
+              <a:rPr lang="es-ES"/>
               <a:t>Haga clic para modificar el estilo de título del patrón</a:t>
             </a:r>
             <a:endParaRPr lang="en-US"/>
@@ -2502,35 +2500,35 @@
           <a:p>
             <a:pPr lvl="0"/>
             <a:r>
-              <a:rPr lang="es-ES" smtClean="0"/>
+              <a:rPr lang="es-ES"/>
               <a:t>Editar el estilo de texto del patrón</a:t>
             </a:r>
           </a:p>
           <a:p>
             <a:pPr lvl="1"/>
             <a:r>
-              <a:rPr lang="es-ES" smtClean="0"/>
+              <a:rPr lang="es-ES"/>
               <a:t>Segundo nivel</a:t>
             </a:r>
           </a:p>
           <a:p>
             <a:pPr lvl="2"/>
             <a:r>
-              <a:rPr lang="es-ES" smtClean="0"/>
+              <a:rPr lang="es-ES"/>
               <a:t>Tercer nivel</a:t>
             </a:r>
           </a:p>
           <a:p>
             <a:pPr lvl="3"/>
             <a:r>
-              <a:rPr lang="es-ES" smtClean="0"/>
+              <a:rPr lang="es-ES"/>
               <a:t>Cuarto nivel</a:t>
             </a:r>
           </a:p>
           <a:p>
             <a:pPr lvl="4"/>
             <a:r>
-              <a:rPr lang="es-ES" smtClean="0"/>
+              <a:rPr lang="es-ES"/>
               <a:t>Quinto nivel</a:t>
             </a:r>
             <a:endParaRPr lang="en-US"/>
@@ -2572,7 +2570,7 @@
           <a:p>
             <a:fld id="{5D75366A-FCE8-4C8F-9CEA-49F9F99D3CA1}" type="datetimeFigureOut">
               <a:rPr lang="en-US" smtClean="0"/>
-              <a:t>7/25/2019</a:t>
+              <a:t>11/4/2019</a:t>
             </a:fld>
             <a:endParaRPr lang="en-US"/>
           </a:p>
@@ -3084,7 +3082,7 @@
           <a:lstStyle/>
           <a:p>
             <a:r>
-              <a:rPr lang="es-419" sz="1400" dirty="0" smtClean="0"/>
+              <a:rPr lang="es-419" sz="1400" dirty="0"/>
               <a:t>VELOCISTA PROFESIONAL</a:t>
             </a:r>
           </a:p>
@@ -3093,13 +3091,13 @@
           </a:p>
           <a:p>
             <a:r>
-              <a:rPr lang="es-419" sz="1400" dirty="0" smtClean="0"/>
+              <a:rPr lang="es-419" sz="1400" dirty="0"/>
               <a:t>Descripción:</a:t>
             </a:r>
           </a:p>
           <a:p>
             <a:r>
-              <a:rPr lang="es-419" sz="1400" dirty="0" smtClean="0"/>
+              <a:rPr lang="es-419" sz="1400" dirty="0"/>
               <a:t>Versión Básica:</a:t>
             </a:r>
           </a:p>
@@ -3109,7 +3107,7 @@
               <a:buChar char="•"/>
             </a:pPr>
             <a:r>
-              <a:rPr lang="es-419" sz="1400" dirty="0" smtClean="0"/>
+              <a:rPr lang="es-419" sz="1400" dirty="0"/>
               <a:t>PCB de doble marca RACHINGENIERIA </a:t>
             </a:r>
           </a:p>
@@ -3119,7 +3117,7 @@
               <a:buChar char="•"/>
             </a:pPr>
             <a:r>
-              <a:rPr lang="es-419" sz="1400" dirty="0" smtClean="0"/>
+              <a:rPr lang="es-419" sz="1400" dirty="0"/>
               <a:t>ARDUINO NANO </a:t>
             </a:r>
           </a:p>
@@ -3129,14 +3127,17 @@
               <a:buChar char="•"/>
             </a:pPr>
             <a:r>
-              <a:rPr lang="es-419" sz="1400" dirty="0" smtClean="0"/>
+              <a:rPr lang="es-419" sz="1400" dirty="0"/>
               <a:t>Sensores QRT8 </a:t>
             </a:r>
             <a:r>
-              <a:rPr lang="es-419" sz="1400" dirty="0" err="1" smtClean="0"/>
+              <a:rPr lang="es-419" sz="1400" dirty="0" err="1"/>
               <a:t>Pololu</a:t>
             </a:r>
-            <a:endParaRPr lang="es-419" sz="1400" dirty="0" smtClean="0"/>
+            <a:r>
+              <a:rPr lang="es-419" sz="1400" dirty="0"/>
+              <a:t> DIGITALES</a:t>
+            </a:r>
           </a:p>
           <a:p>
             <a:pPr marL="285750" indent="-285750">
@@ -3144,7 +3145,7 @@
               <a:buChar char="•"/>
             </a:pPr>
             <a:r>
-              <a:rPr lang="es-419" sz="1400" dirty="0" smtClean="0"/>
+              <a:rPr lang="es-419" sz="1400" dirty="0"/>
               <a:t>Regulador 5V 1A</a:t>
             </a:r>
           </a:p>
@@ -3154,7 +3155,7 @@
               <a:buChar char="•"/>
             </a:pPr>
             <a:r>
-              <a:rPr lang="es-419" sz="1400" dirty="0" smtClean="0"/>
+              <a:rPr lang="es-419" sz="1400" dirty="0"/>
               <a:t>Puente H 36V 3.6A Canal </a:t>
             </a:r>
           </a:p>
@@ -3164,10 +3165,10 @@
               <a:buChar char="•"/>
             </a:pPr>
             <a:r>
-              <a:rPr lang="es-419" sz="1400" dirty="0" err="1" smtClean="0"/>
+              <a:rPr lang="es-419" sz="1400" dirty="0" err="1"/>
               <a:t>Micromotores</a:t>
             </a:r>
-            <a:endParaRPr lang="es-419" sz="1400" dirty="0" smtClean="0"/>
+            <a:endParaRPr lang="es-419" sz="1400" dirty="0"/>
           </a:p>
           <a:p>
             <a:pPr marL="285750" indent="-285750">
@@ -3175,7 +3176,7 @@
               <a:buChar char="•"/>
             </a:pPr>
             <a:r>
-              <a:rPr lang="es-419" sz="1400" dirty="0" smtClean="0"/>
+              <a:rPr lang="es-419" sz="1400" dirty="0"/>
               <a:t>Batería 2s o 3S</a:t>
             </a:r>
           </a:p>
@@ -3185,7 +3186,7 @@
               <a:buChar char="•"/>
             </a:pPr>
             <a:r>
-              <a:rPr lang="es-419" sz="1400" dirty="0" smtClean="0"/>
+              <a:rPr lang="es-419" sz="1400" dirty="0"/>
               <a:t>Llantas de Poliuretano</a:t>
             </a:r>
           </a:p>
@@ -3195,13 +3196,13 @@
               <a:buChar char="•"/>
             </a:pPr>
             <a:r>
-              <a:rPr lang="es-419" sz="1400" dirty="0" smtClean="0"/>
+              <a:rPr lang="es-419" sz="1400" dirty="0"/>
               <a:t>Rin metálico de bajo perfil </a:t>
             </a:r>
           </a:p>
           <a:p>
             <a:r>
-              <a:rPr lang="es-419" sz="1400" dirty="0" smtClean="0"/>
+              <a:rPr lang="es-419" sz="1400" dirty="0"/>
               <a:t>      marca RACHINGEIERIA</a:t>
             </a:r>
           </a:p>
@@ -3211,7 +3212,7 @@
               <a:buChar char="•"/>
             </a:pPr>
             <a:r>
-              <a:rPr lang="es-419" sz="1400" dirty="0" smtClean="0"/>
+              <a:rPr lang="es-419" sz="1400" dirty="0"/>
               <a:t>Puerto para modulo de Arranque </a:t>
             </a:r>
           </a:p>
@@ -3224,7 +3225,7 @@
           </a:p>
           <a:p>
             <a:r>
-              <a:rPr lang="es-419" sz="1400" dirty="0" smtClean="0"/>
+              <a:rPr lang="es-419" sz="1400" dirty="0"/>
               <a:t>Versión Profesional (se adiciona)</a:t>
             </a:r>
           </a:p>
@@ -3234,7 +3235,7 @@
               <a:buChar char="•"/>
             </a:pPr>
             <a:r>
-              <a:rPr lang="es-419" sz="1400" dirty="0" smtClean="0"/>
+              <a:rPr lang="es-419" sz="1400" dirty="0"/>
               <a:t>Elevador de Voltaje hasta 25V</a:t>
             </a:r>
           </a:p>
@@ -3244,7 +3245,7 @@
               <a:buChar char="•"/>
             </a:pPr>
             <a:r>
-              <a:rPr lang="es-419" sz="1400" dirty="0" smtClean="0"/>
+              <a:rPr lang="es-419" sz="1400" dirty="0"/>
               <a:t>ESC 10A</a:t>
             </a:r>
           </a:p>
@@ -3254,7 +3255,7 @@
               <a:buChar char="•"/>
             </a:pPr>
             <a:r>
-              <a:rPr lang="es-419" sz="1400" dirty="0" smtClean="0"/>
+              <a:rPr lang="es-419" sz="1400" dirty="0"/>
               <a:t>Turbina EDF27</a:t>
             </a:r>
           </a:p>
@@ -3264,11 +3265,11 @@
               <a:buChar char="•"/>
             </a:pPr>
             <a:r>
-              <a:rPr lang="es-419" sz="1400" dirty="0" err="1" smtClean="0"/>
+              <a:rPr lang="es-419" sz="1400" dirty="0" err="1"/>
               <a:t>Display</a:t>
             </a:r>
             <a:r>
-              <a:rPr lang="es-419" sz="1400" dirty="0" smtClean="0"/>
+              <a:rPr lang="es-419" sz="1400" dirty="0"/>
               <a:t> Oled De configuración</a:t>
             </a:r>
           </a:p>
@@ -3278,7 +3279,7 @@
               <a:buChar char="•"/>
             </a:pPr>
             <a:r>
-              <a:rPr lang="es-419" sz="1400" dirty="0" smtClean="0"/>
+              <a:rPr lang="es-419" sz="1400" dirty="0"/>
               <a:t>Tres pulsadores de Usuario</a:t>
             </a:r>
           </a:p>
@@ -3287,7 +3288,7 @@
           </a:p>
           <a:p>
             <a:r>
-              <a:rPr lang="es-419" sz="1400" dirty="0" smtClean="0"/>
+              <a:rPr lang="es-419" sz="1400" dirty="0"/>
               <a:t>Opcionales</a:t>
             </a:r>
           </a:p>
@@ -3297,8 +3298,8 @@
               <a:buChar char="•"/>
             </a:pPr>
             <a:r>
-              <a:rPr lang="es-419" sz="1400" dirty="0" smtClean="0"/>
-              <a:t>Bluetooth</a:t>
+              <a:rPr lang="es-419" sz="1400" dirty="0"/>
+              <a:t>Bluetooth HC05 o HC06</a:t>
             </a:r>
           </a:p>
           <a:p>
@@ -3307,7 +3308,7 @@
               <a:buChar char="•"/>
             </a:pPr>
             <a:r>
-              <a:rPr lang="es-419" sz="1400" dirty="0" smtClean="0"/>
+              <a:rPr lang="es-419" sz="1400" dirty="0"/>
               <a:t>IMU (Acelerómetro y Giroscopio)</a:t>
             </a:r>
           </a:p>
@@ -3317,14 +3318,14 @@
               <a:buChar char="•"/>
             </a:pPr>
             <a:r>
-              <a:rPr lang="es-419" sz="1400" dirty="0" smtClean="0"/>
+              <a:rPr lang="es-419" sz="1400" dirty="0"/>
               <a:t>Sensores para NATCAR o </a:t>
             </a:r>
             <a:r>
-              <a:rPr lang="es-419" sz="1400" dirty="0" err="1" smtClean="0"/>
+              <a:rPr lang="es-419" sz="1400" dirty="0" err="1"/>
               <a:t>Encoder</a:t>
             </a:r>
-            <a:endParaRPr lang="es-419" sz="1400" dirty="0" smtClean="0"/>
+            <a:endParaRPr lang="es-419" sz="1400" dirty="0"/>
           </a:p>
           <a:p>
             <a:pPr marL="285750" indent="-285750">
@@ -3332,7 +3333,7 @@
               <a:buChar char="•"/>
             </a:pPr>
             <a:r>
-              <a:rPr lang="es-419" sz="1400" dirty="0" smtClean="0"/>
+              <a:rPr lang="es-419" sz="1400" dirty="0"/>
               <a:t>Extensión de sensores</a:t>
             </a:r>
             <a:endParaRPr lang="es-ES" sz="1600" dirty="0"/>
@@ -3392,13 +3393,13 @@
           <a:lstStyle/>
           <a:p>
             <a:r>
-              <a:rPr lang="es-419" sz="1400" dirty="0" smtClean="0"/>
+              <a:rPr lang="es-419" sz="1400" dirty="0"/>
               <a:t>Cómpralo en:</a:t>
             </a:r>
           </a:p>
           <a:p>
             <a:r>
-              <a:rPr lang="es-419" sz="1400" dirty="0" smtClean="0"/>
+              <a:rPr lang="es-419" sz="1400" dirty="0"/>
               <a:t>www.jjtronicsshop.com</a:t>
             </a:r>
             <a:endParaRPr lang="es-ES" sz="1400" dirty="0"/>
@@ -3960,7 +3961,7 @@
         <p:spPr>
           <a:xfrm>
             <a:off x="7550331" y="600891"/>
-            <a:ext cx="2803524" cy="1477328"/>
+            <a:ext cx="3271601" cy="2585323"/>
           </a:xfrm>
           <a:prstGeom prst="rect">
             <a:avLst/>
@@ -3974,7 +3975,7 @@
           <a:lstStyle/>
           <a:p>
             <a:r>
-              <a:rPr lang="es-419" dirty="0" smtClean="0"/>
+              <a:rPr lang="es-419" dirty="0"/>
               <a:t>PARA VENTA DE PCB:</a:t>
             </a:r>
           </a:p>
@@ -3984,7 +3985,7 @@
               <a:buChar char="•"/>
             </a:pPr>
             <a:r>
-              <a:rPr lang="es-419" dirty="0" smtClean="0"/>
+              <a:rPr lang="es-419" dirty="0"/>
               <a:t>PCB</a:t>
             </a:r>
           </a:p>
@@ -3994,7 +3995,7 @@
               <a:buChar char="•"/>
             </a:pPr>
             <a:r>
-              <a:rPr lang="es-419" dirty="0" smtClean="0"/>
+              <a:rPr lang="es-419" dirty="0"/>
               <a:t>PLANO DE ARMADO</a:t>
             </a:r>
           </a:p>
@@ -4004,7 +4005,7 @@
               <a:buChar char="•"/>
             </a:pPr>
             <a:r>
-              <a:rPr lang="es-419" dirty="0" smtClean="0"/>
+              <a:rPr lang="es-419" dirty="0"/>
               <a:t>CIRCUITO ESQUEMATICO</a:t>
             </a:r>
           </a:p>
@@ -4014,8 +4015,52 @@
               <a:buChar char="•"/>
             </a:pPr>
             <a:r>
-              <a:rPr lang="es-419" dirty="0" smtClean="0"/>
+              <a:rPr lang="es-419" dirty="0"/>
               <a:t>LISTADO DE MATERIALES</a:t>
+            </a:r>
+          </a:p>
+          <a:p>
+            <a:pPr marL="285750" indent="-285750">
+              <a:buFont typeface="Arial" panose="020B0604020202020204" pitchFamily="34" charset="0"/>
+              <a:buChar char="•"/>
+            </a:pPr>
+            <a:r>
+              <a:rPr lang="es-419" dirty="0"/>
+              <a:t>FIRMWARE ARDUIN0</a:t>
+            </a:r>
+          </a:p>
+          <a:p>
+            <a:pPr marL="285750" indent="-285750">
+              <a:buFont typeface="Arial" panose="020B0604020202020204" pitchFamily="34" charset="0"/>
+              <a:buChar char="•"/>
+            </a:pPr>
+            <a:r>
+              <a:rPr lang="es-419" dirty="0"/>
+              <a:t>Aplicativo Android</a:t>
+            </a:r>
+          </a:p>
+          <a:p>
+            <a:pPr marL="285750" indent="-285750">
+              <a:buFont typeface="Arial" panose="020B0604020202020204" pitchFamily="34" charset="0"/>
+              <a:buChar char="•"/>
+            </a:pPr>
+            <a:r>
+              <a:rPr lang="es-419" dirty="0"/>
+              <a:t>Soporte sensores 3D</a:t>
+            </a:r>
+          </a:p>
+          <a:p>
+            <a:pPr marL="285750" indent="-285750">
+              <a:buFont typeface="Arial" panose="020B0604020202020204" pitchFamily="34" charset="0"/>
+              <a:buChar char="•"/>
+            </a:pPr>
+            <a:r>
+              <a:rPr lang="es-419" dirty="0" err="1"/>
+              <a:t>Bomper</a:t>
+            </a:r>
+            <a:r>
+              <a:rPr lang="es-419" dirty="0"/>
+              <a:t> sensores frontales 3D</a:t>
             </a:r>
             <a:endParaRPr lang="es-ES" dirty="0"/>
           </a:p>
@@ -4043,7 +4088,7 @@
         </p:blipFill>
         <p:spPr>
           <a:xfrm>
-            <a:off x="8143875" y="2586707"/>
+            <a:off x="8172450" y="4001169"/>
             <a:ext cx="1616436" cy="1482498"/>
           </a:xfrm>
           <a:prstGeom prst="rect">
@@ -4055,174 +4100,6 @@
     <p:extLst>
       <p:ext uri="{BB962C8B-B14F-4D97-AF65-F5344CB8AC3E}">
         <p14:creationId xmlns:p14="http://schemas.microsoft.com/office/powerpoint/2010/main" val="2372808254"/>
-      </p:ext>
-    </p:extLst>
-  </p:cSld>
-  <p:clrMapOvr>
-    <a:masterClrMapping/>
-  </p:clrMapOvr>
-</p:sld>
-</file>
-
-<file path=ppt/slides/slide8.xml><?xml version="1.0" encoding="utf-8"?>
-<p:sld xmlns:a="http://schemas.openxmlformats.org/drawingml/2006/main" xmlns:r="http://schemas.openxmlformats.org/officeDocument/2006/relationships" xmlns:p="http://schemas.openxmlformats.org/presentationml/2006/main">
-  <p:cSld>
-    <p:spTree>
-      <p:nvGrpSpPr>
-        <p:cNvPr id="1" name=""/>
-        <p:cNvGrpSpPr/>
-        <p:nvPr/>
-      </p:nvGrpSpPr>
-      <p:grpSpPr>
-        <a:xfrm>
-          <a:off x="0" y="0"/>
-          <a:ext cx="0" cy="0"/>
-          <a:chOff x="0" y="0"/>
-          <a:chExt cx="0" cy="0"/>
-        </a:xfrm>
-      </p:grpSpPr>
-      <p:pic>
-        <p:nvPicPr>
-          <p:cNvPr id="3" name="Imagen 2"/>
-          <p:cNvPicPr>
-            <a:picLocks noChangeAspect="1"/>
-          </p:cNvPicPr>
-          <p:nvPr/>
-        </p:nvPicPr>
-        <p:blipFill>
-          <a:blip r:embed="rId2"/>
-          <a:stretch>
-            <a:fillRect/>
-          </a:stretch>
-        </p:blipFill>
-        <p:spPr>
-          <a:xfrm>
-            <a:off x="1651000" y="204355"/>
-            <a:ext cx="8940118" cy="6501904"/>
-          </a:xfrm>
-          <a:prstGeom prst="rect">
-            <a:avLst/>
-          </a:prstGeom>
-        </p:spPr>
-      </p:pic>
-      <p:pic>
-        <p:nvPicPr>
-          <p:cNvPr id="4" name="Imagen 3"/>
-          <p:cNvPicPr>
-            <a:picLocks noChangeAspect="1"/>
-          </p:cNvPicPr>
-          <p:nvPr/>
-        </p:nvPicPr>
-        <p:blipFill>
-          <a:blip r:embed="rId3" cstate="print">
-            <a:extLst>
-              <a:ext uri="{28A0092B-C50C-407E-A947-70E740481C1C}">
-                <a14:useLocalDpi xmlns:a14="http://schemas.microsoft.com/office/drawing/2010/main" val="0"/>
-              </a:ext>
-            </a:extLst>
-          </a:blip>
-          <a:stretch>
-            <a:fillRect/>
-          </a:stretch>
-        </p:blipFill>
-        <p:spPr>
-          <a:xfrm>
-            <a:off x="627016" y="516119"/>
-            <a:ext cx="1280160" cy="1174086"/>
-          </a:xfrm>
-          <a:prstGeom prst="rect">
-            <a:avLst/>
-          </a:prstGeom>
-        </p:spPr>
-      </p:pic>
-    </p:spTree>
-    <p:extLst>
-      <p:ext uri="{BB962C8B-B14F-4D97-AF65-F5344CB8AC3E}">
-        <p14:creationId xmlns:p14="http://schemas.microsoft.com/office/powerpoint/2010/main" val="1194931382"/>
-      </p:ext>
-    </p:extLst>
-  </p:cSld>
-  <p:clrMapOvr>
-    <a:masterClrMapping/>
-  </p:clrMapOvr>
-</p:sld>
-</file>
-
-<file path=ppt/slides/slide9.xml><?xml version="1.0" encoding="utf-8"?>
-<p:sld xmlns:a="http://schemas.openxmlformats.org/drawingml/2006/main" xmlns:r="http://schemas.openxmlformats.org/officeDocument/2006/relationships" xmlns:p="http://schemas.openxmlformats.org/presentationml/2006/main">
-  <p:cSld>
-    <p:spTree>
-      <p:nvGrpSpPr>
-        <p:cNvPr id="1" name=""/>
-        <p:cNvGrpSpPr/>
-        <p:nvPr/>
-      </p:nvGrpSpPr>
-      <p:grpSpPr>
-        <a:xfrm>
-          <a:off x="0" y="0"/>
-          <a:ext cx="0" cy="0"/>
-          <a:chOff x="0" y="0"/>
-          <a:chExt cx="0" cy="0"/>
-        </a:xfrm>
-      </p:grpSpPr>
-      <p:pic>
-        <p:nvPicPr>
-          <p:cNvPr id="5" name="Imagen 4"/>
-          <p:cNvPicPr>
-            <a:picLocks noChangeAspect="1"/>
-          </p:cNvPicPr>
-          <p:nvPr/>
-        </p:nvPicPr>
-        <p:blipFill>
-          <a:blip r:embed="rId2"/>
-          <a:stretch>
-            <a:fillRect/>
-          </a:stretch>
-        </p:blipFill>
-        <p:spPr>
-          <a:xfrm>
-            <a:off x="372069" y="2194560"/>
-            <a:ext cx="11363919" cy="4558976"/>
-          </a:xfrm>
-          <a:prstGeom prst="rect">
-            <a:avLst/>
-          </a:prstGeom>
-        </p:spPr>
-      </p:pic>
-      <p:pic>
-        <p:nvPicPr>
-          <p:cNvPr id="3" name="Imagen 2"/>
-          <p:cNvPicPr>
-            <a:picLocks noChangeAspect="1"/>
-          </p:cNvPicPr>
-          <p:nvPr/>
-        </p:nvPicPr>
-        <p:blipFill>
-          <a:blip r:embed="rId3" cstate="print">
-            <a:extLst>
-              <a:ext uri="{28A0092B-C50C-407E-A947-70E740481C1C}">
-                <a14:useLocalDpi xmlns:a14="http://schemas.microsoft.com/office/drawing/2010/main" val="0"/>
-              </a:ext>
-            </a:extLst>
-          </a:blip>
-          <a:stretch>
-            <a:fillRect/>
-          </a:stretch>
-        </p:blipFill>
-        <p:spPr>
-          <a:xfrm>
-            <a:off x="783771" y="712062"/>
-            <a:ext cx="1616436" cy="1482498"/>
-          </a:xfrm>
-          <a:prstGeom prst="rect">
-            <a:avLst/>
-          </a:prstGeom>
-        </p:spPr>
-      </p:pic>
-    </p:spTree>
-    <p:extLst>
-      <p:ext uri="{BB962C8B-B14F-4D97-AF65-F5344CB8AC3E}">
-        <p14:creationId xmlns:p14="http://schemas.microsoft.com/office/powerpoint/2010/main" val="695137964"/>
       </p:ext>
     </p:extLst>
   </p:cSld>
